--- a/doc/TTM项目演示.pptx
+++ b/doc/TTM项目演示.pptx
@@ -6631,15 +6631,7 @@
             </a:r>
             <a:r>
               <a:rPr lang="zh-CN" altLang="en-US" dirty="0" smtClean="0"/>
-              <a:t>，以及在项目</a:t>
-            </a:r>
-            <a:r>
-              <a:rPr lang="zh-CN" altLang="en-US" dirty="0" smtClean="0"/>
-              <a:t>中</a:t>
-            </a:r>
-            <a:r>
-              <a:rPr lang="zh-CN" altLang="en-US" dirty="0" smtClean="0"/>
-              <a:t>的一些</a:t>
+              <a:t>，以及在项目中的一些</a:t>
             </a:r>
             <a:r>
               <a:rPr lang="en-US" altLang="zh-CN" dirty="0" smtClean="0"/>
@@ -6648,6 +6640,33 @@
             <a:r>
               <a:rPr lang="zh-CN" altLang="en-US" dirty="0" smtClean="0"/>
               <a:t>插件</a:t>
+            </a:r>
+            <a:endParaRPr lang="en-US" altLang="zh-CN" dirty="0" smtClean="0"/>
+          </a:p>
+          <a:p>
+            <a:r>
+              <a:rPr lang="en-US" altLang="zh-CN" dirty="0" err="1" smtClean="0"/>
+              <a:t>Git</a:t>
+            </a:r>
+            <a:r>
+              <a:rPr lang="zh-CN" altLang="en-US" dirty="0" smtClean="0"/>
+              <a:t>地址</a:t>
+            </a:r>
+            <a:r>
+              <a:rPr lang="en-US" altLang="zh-CN" dirty="0" smtClean="0"/>
+              <a:t> </a:t>
+            </a:r>
+            <a:r>
+              <a:rPr lang="en-US" altLang="zh-CN" dirty="0" smtClean="0">
+                <a:hlinkClick r:id="rId2"/>
+              </a:rPr>
+              <a:t>https</a:t>
+            </a:r>
+            <a:r>
+              <a:rPr lang="en-US" altLang="zh-CN" dirty="0">
+                <a:hlinkClick r:id="rId2"/>
+              </a:rPr>
+              <a:t>://github.com/Terry-cn/Demo</a:t>
             </a:r>
             <a:endParaRPr lang="zh-CN" altLang="en-US" dirty="0"/>
           </a:p>
@@ -6903,11 +6922,7 @@
             </a:r>
             <a:r>
               <a:rPr lang="zh-CN" altLang="en-US" dirty="0" smtClean="0"/>
-              <a:t>建模工具</a:t>
-            </a:r>
-            <a:r>
-              <a:rPr lang="zh-CN" altLang="en-US" dirty="0" smtClean="0"/>
-              <a:t>。</a:t>
+              <a:t>建模工具。</a:t>
             </a:r>
             <a:endParaRPr lang="en-US" altLang="zh-CN" dirty="0" smtClean="0"/>
           </a:p>
@@ -7347,11 +7362,7 @@
             </a:r>
             <a:r>
               <a:rPr lang="zh-CN" altLang="en-US" dirty="0" smtClean="0"/>
-              <a:t>多</a:t>
-            </a:r>
-            <a:r>
-              <a:rPr lang="zh-CN" altLang="en-US" dirty="0" smtClean="0"/>
-              <a:t>语言插件</a:t>
+              <a:t>多语言插件</a:t>
             </a:r>
             <a:endParaRPr lang="en-US" altLang="zh-CN" dirty="0"/>
           </a:p>
